--- a/s4/slides/s4.pptx
+++ b/s4/slides/s4.pptx
@@ -220,7 +220,7 @@
           <a:p>
             <a:fld id="{EBD6F028-2067-3740-AA48-A91E93570B1D}" type="datetimeFigureOut">
               <a:rPr lang="en-US" smtClean="0"/>
-              <a:t>10/20/19</a:t>
+              <a:t>10/10/20</a:t>
             </a:fld>
             <a:endParaRPr lang="en-US"/>
           </a:p>
@@ -1652,7 +1652,7 @@
           <a:p>
             <a:r>
               <a:rPr lang="en-US" dirty="0"/>
-              <a:t>Please form groups of 3-4 for the final project.</a:t>
+              <a:t>You should now be in groups of 3-4 for the final project.</a:t>
             </a:r>
           </a:p>
           <a:p>
@@ -1661,35 +1661,31 @@
           <a:p>
             <a:r>
               <a:rPr lang="en-US" dirty="0"/>
-              <a:t>They do not have to be in your section.</a:t>
-            </a:r>
-          </a:p>
-          <a:p>
+              <a:t>Please </a:t>
+            </a:r>
+            <a:r>
+              <a:rPr lang="en-US" i="1" dirty="0"/>
+              <a:t>IMMEDIATELY </a:t>
+            </a:r>
             <a:r>
               <a:rPr lang="en-US" dirty="0"/>
-              <a:t>They do not have to be in the same course code.</a:t>
-            </a:r>
+              <a:t>reach out to the staff mailing list if you are not in a group!</a:t>
+            </a:r>
+          </a:p>
+          <a:p>
+            <a:endParaRPr lang="en-US" dirty="0"/>
           </a:p>
           <a:p>
             <a:r>
               <a:rPr lang="en-US" dirty="0"/>
-              <a:t>We’ll have a signup sheet online this week.</a:t>
-            </a:r>
-          </a:p>
-          <a:p>
-            <a:endParaRPr lang="en-US" dirty="0"/>
-          </a:p>
-          <a:p>
+              <a:t>The reason we’re asking you to ensure this now is because HW3 has a group component!</a:t>
+            </a:r>
+          </a:p>
+          <a:p>
+            <a:pPr lvl="1"/>
             <a:r>
               <a:rPr lang="en-US" dirty="0"/>
-              <a:t>The reason we’re asking you to think about this now is because HW3 has a group component!</a:t>
-            </a:r>
-          </a:p>
-          <a:p>
-            <a:pPr lvl="1"/>
-            <a:r>
-              <a:rPr lang="en-US" dirty="0"/>
-              <a:t>Also because it’s good practice to figure this out early.</a:t>
+              <a:t>Also because it’s good practice to figure this out early for the final project.</a:t>
             </a:r>
           </a:p>
         </p:txBody>

--- a/s4/slides/s4.pptx
+++ b/s4/slides/s4.pptx
@@ -220,7 +220,7 @@
           <a:p>
             <a:fld id="{EBD6F028-2067-3740-AA48-A91E93570B1D}" type="datetimeFigureOut">
               <a:rPr lang="en-US" smtClean="0"/>
-              <a:t>10/10/20</a:t>
+              <a:t>10/18/21</a:t>
             </a:fld>
             <a:endParaRPr lang="en-US"/>
           </a:p>
@@ -1652,7 +1652,7 @@
           <a:p>
             <a:r>
               <a:rPr lang="en-US" dirty="0"/>
-              <a:t>You should now be in groups of 3-4 for the final project.</a:t>
+              <a:t>You should now be in groups of 4 for the final project.</a:t>
             </a:r>
           </a:p>
           <a:p>
